--- a/report/Report Abusive dan Alay.pptx
+++ b/report/Report Abusive dan Alay.pptx
@@ -10,8 +10,8 @@
   <p:sldIdLst>
     <p:sldId id="314" r:id="rId2"/>
     <p:sldId id="315" r:id="rId3"/>
-    <p:sldId id="257" r:id="rId4"/>
-    <p:sldId id="316" r:id="rId5"/>
+    <p:sldId id="316" r:id="rId4"/>
+    <p:sldId id="327" r:id="rId5"/>
     <p:sldId id="319" r:id="rId6"/>
     <p:sldId id="320" r:id="rId7"/>
     <p:sldId id="317" r:id="rId8"/>
@@ -42,20 +42,13 @@
       <p:boldItalic r:id="rId22"/>
     </p:embeddedFont>
     <p:embeddedFont>
-      <p:font typeface="Open Sans" panose="020B0606030504020204" pitchFamily="34" charset="0"/>
+      <p:font typeface="Permanent Marker" panose="020B0604020202020204" charset="0"/>
       <p:regular r:id="rId23"/>
-      <p:bold r:id="rId24"/>
-      <p:italic r:id="rId25"/>
-      <p:boldItalic r:id="rId26"/>
-    </p:embeddedFont>
-    <p:embeddedFont>
-      <p:font typeface="Permanent Marker" panose="020B0604020202020204" charset="0"/>
-      <p:regular r:id="rId27"/>
     </p:embeddedFont>
     <p:embeddedFont>
       <p:font typeface="Varta" panose="020B0604020202020204" charset="0"/>
-      <p:regular r:id="rId28"/>
-      <p:bold r:id="rId29"/>
+      <p:regular r:id="rId24"/>
+      <p:bold r:id="rId25"/>
     </p:embeddedFont>
   </p:embeddedFontLst>
   <p:defaultTextStyle>
@@ -803,11 +796,11 @@
 </file>
 
 <file path=ppt/notesSlides/notesSlide2.xml><?xml version="1.0" encoding="utf-8"?>
-<p:notes xmlns:a="http://schemas.openxmlformats.org/drawingml/2006/main" xmlns:r="http://schemas.openxmlformats.org/officeDocument/2006/relationships" xmlns:p="http://schemas.openxmlformats.org/presentationml/2006/main" showMasterSp="0" showMasterPhAnim="0">
+<p:notes xmlns:a="http://schemas.openxmlformats.org/drawingml/2006/main" xmlns:r="http://schemas.openxmlformats.org/officeDocument/2006/relationships" xmlns:p="http://schemas.openxmlformats.org/presentationml/2006/main">
   <p:cSld>
     <p:spTree>
       <p:nvGrpSpPr>
-        <p:cNvPr id="1" name="Shape 312"/>
+        <p:cNvPr id="1" name=""/>
         <p:cNvGrpSpPr/>
         <p:nvPr/>
       </p:nvGrpSpPr>
@@ -821,12 +814,12 @@
       </p:grpSpPr>
       <p:sp>
         <p:nvSpPr>
-          <p:cNvPr id="313" name="Google Shape;313;ge38c689872_0_28810:notes"/>
+          <p:cNvPr id="2" name="Slide Image Placeholder 1"/>
           <p:cNvSpPr>
             <a:spLocks noGrp="1" noRot="1" noChangeAspect="1"/>
           </p:cNvSpPr>
           <p:nvPr>
-            <p:ph type="sldImg" idx="2"/>
+            <p:ph type="sldImg"/>
           </p:nvPr>
         </p:nvSpPr>
         <p:spPr>
@@ -834,71 +827,33 @@
             <a:off x="381000" y="685800"/>
             <a:ext cx="6096000" cy="3429000"/>
           </a:xfrm>
-          <a:custGeom>
-            <a:avLst/>
-            <a:gdLst/>
-            <a:ahLst/>
-            <a:cxnLst/>
-            <a:rect l="l" t="t" r="r" b="b"/>
-            <a:pathLst>
-              <a:path w="120000" h="120000" extrusionOk="0">
-                <a:moveTo>
-                  <a:pt x="0" y="0"/>
-                </a:moveTo>
-                <a:lnTo>
-                  <a:pt x="120000" y="0"/>
-                </a:lnTo>
-                <a:lnTo>
-                  <a:pt x="120000" y="120000"/>
-                </a:lnTo>
-                <a:lnTo>
-                  <a:pt x="0" y="120000"/>
-                </a:lnTo>
-                <a:close/>
-              </a:path>
-            </a:pathLst>
-          </a:custGeom>
         </p:spPr>
       </p:sp>
       <p:sp>
         <p:nvSpPr>
-          <p:cNvPr id="314" name="Google Shape;314;ge38c689872_0_28810:notes"/>
-          <p:cNvSpPr txBox="1">
+          <p:cNvPr id="3" name="Notes Placeholder 2"/>
+          <p:cNvSpPr>
             <a:spLocks noGrp="1"/>
           </p:cNvSpPr>
           <p:nvPr>
             <p:ph type="body" idx="1"/>
           </p:nvPr>
         </p:nvSpPr>
-        <p:spPr>
-          <a:xfrm>
-            <a:off x="685800" y="4343400"/>
-            <a:ext cx="5486400" cy="4114800"/>
-          </a:xfrm>
-          <a:prstGeom prst="rect">
-            <a:avLst/>
-          </a:prstGeom>
-        </p:spPr>
+        <p:spPr/>
         <p:txBody>
-          <a:bodyPr spcFirstLastPara="1" wrap="square" lIns="91425" tIns="91425" rIns="91425" bIns="91425" anchor="t" anchorCtr="0">
-            <a:noAutofit/>
-          </a:bodyPr>
+          <a:bodyPr/>
           <a:lstStyle/>
           <a:p>
-            <a:pPr marL="0" lvl="0" indent="0" algn="l" rtl="0">
-              <a:spcBef>
-                <a:spcPts val="0"/>
-              </a:spcBef>
-              <a:spcAft>
-                <a:spcPts val="0"/>
-              </a:spcAft>
-              <a:buNone/>
-            </a:pPr>
-            <a:endParaRPr/>
+            <a:endParaRPr lang="en-ID" dirty="0"/>
           </a:p>
         </p:txBody>
       </p:sp>
     </p:spTree>
+    <p:extLst>
+      <p:ext uri="{BB962C8B-B14F-4D97-AF65-F5344CB8AC3E}">
+        <p14:creationId xmlns:p14="http://schemas.microsoft.com/office/powerpoint/2010/main" val="303241793"/>
+      </p:ext>
+    </p:extLst>
   </p:cSld>
   <p:clrMapOvr>
     <a:masterClrMapping/>
@@ -962,7 +917,7 @@
     </p:spTree>
     <p:extLst>
       <p:ext uri="{BB962C8B-B14F-4D97-AF65-F5344CB8AC3E}">
-        <p14:creationId xmlns:p14="http://schemas.microsoft.com/office/powerpoint/2010/main" val="303241793"/>
+        <p14:creationId xmlns:p14="http://schemas.microsoft.com/office/powerpoint/2010/main" val="596930421"/>
       </p:ext>
     </p:extLst>
   </p:cSld>
@@ -1263,6 +1218,67 @@
             <p:ph type="sldImg"/>
           </p:nvPr>
         </p:nvSpPr>
+        <p:spPr/>
+      </p:sp>
+      <p:sp>
+        <p:nvSpPr>
+          <p:cNvPr id="3" name="Notes Placeholder 2"/>
+          <p:cNvSpPr>
+            <a:spLocks noGrp="1"/>
+          </p:cNvSpPr>
+          <p:nvPr>
+            <p:ph type="body" idx="1"/>
+          </p:nvPr>
+        </p:nvSpPr>
+        <p:spPr/>
+        <p:txBody>
+          <a:bodyPr/>
+          <a:lstStyle/>
+          <a:p>
+            <a:endParaRPr lang="en-ID" dirty="0"/>
+          </a:p>
+        </p:txBody>
+      </p:sp>
+    </p:spTree>
+    <p:extLst>
+      <p:ext uri="{BB962C8B-B14F-4D97-AF65-F5344CB8AC3E}">
+        <p14:creationId xmlns:p14="http://schemas.microsoft.com/office/powerpoint/2010/main" val="1944413460"/>
+      </p:ext>
+    </p:extLst>
+  </p:cSld>
+  <p:clrMapOvr>
+    <a:masterClrMapping/>
+  </p:clrMapOvr>
+</p:notes>
+</file>
+
+<file path=ppt/notesSlides/notesSlide9.xml><?xml version="1.0" encoding="utf-8"?>
+<p:notes xmlns:a="http://schemas.openxmlformats.org/drawingml/2006/main" xmlns:r="http://schemas.openxmlformats.org/officeDocument/2006/relationships" xmlns:p="http://schemas.openxmlformats.org/presentationml/2006/main">
+  <p:cSld>
+    <p:spTree>
+      <p:nvGrpSpPr>
+        <p:cNvPr id="1" name=""/>
+        <p:cNvGrpSpPr/>
+        <p:nvPr/>
+      </p:nvGrpSpPr>
+      <p:grpSpPr>
+        <a:xfrm>
+          <a:off x="0" y="0"/>
+          <a:ext cx="0" cy="0"/>
+          <a:chOff x="0" y="0"/>
+          <a:chExt cx="0" cy="0"/>
+        </a:xfrm>
+      </p:grpSpPr>
+      <p:sp>
+        <p:nvSpPr>
+          <p:cNvPr id="2" name="Slide Image Placeholder 1"/>
+          <p:cNvSpPr>
+            <a:spLocks noGrp="1" noRot="1" noChangeAspect="1"/>
+          </p:cNvSpPr>
+          <p:nvPr>
+            <p:ph type="sldImg"/>
+          </p:nvPr>
+        </p:nvSpPr>
         <p:spPr>
           <a:xfrm>
             <a:off x="381000" y="685800"/>
@@ -1303,449 +1319,6 @@
 </file>
 
 <file path=ppt/slideLayouts/slideLayout1.xml><?xml version="1.0" encoding="utf-8"?>
-<p:sldLayout xmlns:a="http://schemas.openxmlformats.org/drawingml/2006/main" xmlns:r="http://schemas.openxmlformats.org/officeDocument/2006/relationships" xmlns:p="http://schemas.openxmlformats.org/presentationml/2006/main" matchingName="Title and body" type="tx">
-  <p:cSld name="TITLE_AND_BODY">
-    <p:bg>
-      <p:bgPr>
-        <a:blipFill>
-          <a:blip r:embed="rId2">
-            <a:alphaModFix/>
-          </a:blip>
-          <a:stretch>
-            <a:fillRect/>
-          </a:stretch>
-        </a:blipFill>
-        <a:effectLst/>
-      </p:bgPr>
-    </p:bg>
-    <p:spTree>
-      <p:nvGrpSpPr>
-        <p:cNvPr id="1" name="Shape 40"/>
-        <p:cNvGrpSpPr/>
-        <p:nvPr/>
-      </p:nvGrpSpPr>
-      <p:grpSpPr>
-        <a:xfrm>
-          <a:off x="0" y="0"/>
-          <a:ext cx="0" cy="0"/>
-          <a:chOff x="0" y="0"/>
-          <a:chExt cx="0" cy="0"/>
-        </a:xfrm>
-      </p:grpSpPr>
-      <p:sp>
-        <p:nvSpPr>
-          <p:cNvPr id="41" name="Google Shape;41;p4"/>
-          <p:cNvSpPr txBox="1">
-            <a:spLocks noGrp="1"/>
-          </p:cNvSpPr>
-          <p:nvPr>
-            <p:ph type="subTitle" idx="1"/>
-          </p:nvPr>
-        </p:nvSpPr>
-        <p:spPr>
-          <a:xfrm>
-            <a:off x="751375" y="1327100"/>
-            <a:ext cx="7679400" cy="3152100"/>
-          </a:xfrm>
-          <a:prstGeom prst="rect">
-            <a:avLst/>
-          </a:prstGeom>
-        </p:spPr>
-        <p:txBody>
-          <a:bodyPr spcFirstLastPara="1" wrap="square" lIns="0" tIns="0" rIns="0" bIns="0" anchor="t" anchorCtr="0">
-            <a:noAutofit/>
-          </a:bodyPr>
-          <a:lstStyle>
-            <a:lvl1pPr lvl="0" rtl="0">
-              <a:lnSpc>
-                <a:spcPct val="100000"/>
-              </a:lnSpc>
-              <a:spcBef>
-                <a:spcPts val="0"/>
-              </a:spcBef>
-              <a:spcAft>
-                <a:spcPts val="0"/>
-              </a:spcAft>
-              <a:buSzPts val="1600"/>
-              <a:buAutoNum type="arabicPeriod"/>
-              <a:defRPr sz="1200"/>
-            </a:lvl1pPr>
-            <a:lvl2pPr lvl="1" algn="ctr" rtl="0">
-              <a:lnSpc>
-                <a:spcPct val="100000"/>
-              </a:lnSpc>
-              <a:spcBef>
-                <a:spcPts val="0"/>
-              </a:spcBef>
-              <a:spcAft>
-                <a:spcPts val="0"/>
-              </a:spcAft>
-              <a:buSzPts val="1600"/>
-              <a:buAutoNum type="alphaLcPeriod"/>
-              <a:defRPr>
-                <a:solidFill>
-                  <a:schemeClr val="accent1"/>
-                </a:solidFill>
-                <a:latin typeface="Open Sans"/>
-                <a:ea typeface="Open Sans"/>
-                <a:cs typeface="Open Sans"/>
-                <a:sym typeface="Open Sans"/>
-              </a:defRPr>
-            </a:lvl2pPr>
-            <a:lvl3pPr lvl="2" algn="ctr" rtl="0">
-              <a:lnSpc>
-                <a:spcPct val="100000"/>
-              </a:lnSpc>
-              <a:spcBef>
-                <a:spcPts val="0"/>
-              </a:spcBef>
-              <a:spcAft>
-                <a:spcPts val="0"/>
-              </a:spcAft>
-              <a:buSzPts val="1600"/>
-              <a:buAutoNum type="romanLcPeriod"/>
-              <a:defRPr>
-                <a:solidFill>
-                  <a:schemeClr val="accent1"/>
-                </a:solidFill>
-                <a:latin typeface="Open Sans"/>
-                <a:ea typeface="Open Sans"/>
-                <a:cs typeface="Open Sans"/>
-                <a:sym typeface="Open Sans"/>
-              </a:defRPr>
-            </a:lvl3pPr>
-            <a:lvl4pPr lvl="3" algn="ctr" rtl="0">
-              <a:lnSpc>
-                <a:spcPct val="100000"/>
-              </a:lnSpc>
-              <a:spcBef>
-                <a:spcPts val="0"/>
-              </a:spcBef>
-              <a:spcAft>
-                <a:spcPts val="0"/>
-              </a:spcAft>
-              <a:buSzPts val="1600"/>
-              <a:buAutoNum type="arabicPeriod"/>
-              <a:defRPr>
-                <a:solidFill>
-                  <a:schemeClr val="accent1"/>
-                </a:solidFill>
-                <a:latin typeface="Open Sans"/>
-                <a:ea typeface="Open Sans"/>
-                <a:cs typeface="Open Sans"/>
-                <a:sym typeface="Open Sans"/>
-              </a:defRPr>
-            </a:lvl4pPr>
-            <a:lvl5pPr lvl="4" algn="ctr" rtl="0">
-              <a:lnSpc>
-                <a:spcPct val="100000"/>
-              </a:lnSpc>
-              <a:spcBef>
-                <a:spcPts val="0"/>
-              </a:spcBef>
-              <a:spcAft>
-                <a:spcPts val="0"/>
-              </a:spcAft>
-              <a:buSzPts val="1600"/>
-              <a:buAutoNum type="alphaLcPeriod"/>
-              <a:defRPr>
-                <a:solidFill>
-                  <a:schemeClr val="accent1"/>
-                </a:solidFill>
-                <a:latin typeface="Open Sans"/>
-                <a:ea typeface="Open Sans"/>
-                <a:cs typeface="Open Sans"/>
-                <a:sym typeface="Open Sans"/>
-              </a:defRPr>
-            </a:lvl5pPr>
-            <a:lvl6pPr lvl="5" algn="ctr" rtl="0">
-              <a:lnSpc>
-                <a:spcPct val="100000"/>
-              </a:lnSpc>
-              <a:spcBef>
-                <a:spcPts val="0"/>
-              </a:spcBef>
-              <a:spcAft>
-                <a:spcPts val="0"/>
-              </a:spcAft>
-              <a:buSzPts val="1600"/>
-              <a:buAutoNum type="romanLcPeriod"/>
-              <a:defRPr>
-                <a:solidFill>
-                  <a:schemeClr val="accent1"/>
-                </a:solidFill>
-                <a:latin typeface="Open Sans"/>
-                <a:ea typeface="Open Sans"/>
-                <a:cs typeface="Open Sans"/>
-                <a:sym typeface="Open Sans"/>
-              </a:defRPr>
-            </a:lvl6pPr>
-            <a:lvl7pPr lvl="6" algn="ctr" rtl="0">
-              <a:lnSpc>
-                <a:spcPct val="100000"/>
-              </a:lnSpc>
-              <a:spcBef>
-                <a:spcPts val="0"/>
-              </a:spcBef>
-              <a:spcAft>
-                <a:spcPts val="0"/>
-              </a:spcAft>
-              <a:buSzPts val="1600"/>
-              <a:buAutoNum type="arabicPeriod"/>
-              <a:defRPr>
-                <a:solidFill>
-                  <a:schemeClr val="accent1"/>
-                </a:solidFill>
-                <a:latin typeface="Open Sans"/>
-                <a:ea typeface="Open Sans"/>
-                <a:cs typeface="Open Sans"/>
-                <a:sym typeface="Open Sans"/>
-              </a:defRPr>
-            </a:lvl7pPr>
-            <a:lvl8pPr lvl="7" algn="ctr" rtl="0">
-              <a:lnSpc>
-                <a:spcPct val="100000"/>
-              </a:lnSpc>
-              <a:spcBef>
-                <a:spcPts val="0"/>
-              </a:spcBef>
-              <a:spcAft>
-                <a:spcPts val="0"/>
-              </a:spcAft>
-              <a:buSzPts val="1600"/>
-              <a:buAutoNum type="alphaLcPeriod"/>
-              <a:defRPr>
-                <a:solidFill>
-                  <a:schemeClr val="accent1"/>
-                </a:solidFill>
-                <a:latin typeface="Open Sans"/>
-                <a:ea typeface="Open Sans"/>
-                <a:cs typeface="Open Sans"/>
-                <a:sym typeface="Open Sans"/>
-              </a:defRPr>
-            </a:lvl8pPr>
-            <a:lvl9pPr lvl="8" algn="ctr" rtl="0">
-              <a:lnSpc>
-                <a:spcPct val="100000"/>
-              </a:lnSpc>
-              <a:spcBef>
-                <a:spcPts val="0"/>
-              </a:spcBef>
-              <a:spcAft>
-                <a:spcPts val="0"/>
-              </a:spcAft>
-              <a:buSzPts val="1600"/>
-              <a:buAutoNum type="romanLcPeriod"/>
-              <a:defRPr>
-                <a:solidFill>
-                  <a:schemeClr val="accent1"/>
-                </a:solidFill>
-                <a:latin typeface="Open Sans"/>
-                <a:ea typeface="Open Sans"/>
-                <a:cs typeface="Open Sans"/>
-                <a:sym typeface="Open Sans"/>
-              </a:defRPr>
-            </a:lvl9pPr>
-          </a:lstStyle>
-          <a:p>
-            <a:endParaRPr/>
-          </a:p>
-        </p:txBody>
-      </p:sp>
-      <p:pic>
-        <p:nvPicPr>
-          <p:cNvPr id="42" name="Google Shape;42;p4"/>
-          <p:cNvPicPr preferRelativeResize="0"/>
-          <p:nvPr/>
-        </p:nvPicPr>
-        <p:blipFill>
-          <a:blip r:embed="rId3">
-            <a:alphaModFix/>
-          </a:blip>
-          <a:stretch>
-            <a:fillRect/>
-          </a:stretch>
-        </p:blipFill>
-        <p:spPr>
-          <a:xfrm>
-            <a:off x="7815153" y="-245512"/>
-            <a:ext cx="487594" cy="491001"/>
-          </a:xfrm>
-          <a:prstGeom prst="rect">
-            <a:avLst/>
-          </a:prstGeom>
-          <a:noFill/>
-          <a:ln>
-            <a:noFill/>
-          </a:ln>
-        </p:spPr>
-      </p:pic>
-      <p:pic>
-        <p:nvPicPr>
-          <p:cNvPr id="43" name="Google Shape;43;p4"/>
-          <p:cNvPicPr preferRelativeResize="0"/>
-          <p:nvPr/>
-        </p:nvPicPr>
-        <p:blipFill>
-          <a:blip r:embed="rId3">
-            <a:alphaModFix/>
-          </a:blip>
-          <a:stretch>
-            <a:fillRect/>
-          </a:stretch>
-        </p:blipFill>
-        <p:spPr>
-          <a:xfrm rot="1620488">
-            <a:off x="7425753" y="400813"/>
-            <a:ext cx="487594" cy="491001"/>
-          </a:xfrm>
-          <a:prstGeom prst="rect">
-            <a:avLst/>
-          </a:prstGeom>
-          <a:noFill/>
-          <a:ln>
-            <a:noFill/>
-          </a:ln>
-        </p:spPr>
-      </p:pic>
-      <p:sp>
-        <p:nvSpPr>
-          <p:cNvPr id="44" name="Google Shape;44;p4"/>
-          <p:cNvSpPr txBox="1">
-            <a:spLocks noGrp="1"/>
-          </p:cNvSpPr>
-          <p:nvPr>
-            <p:ph type="title"/>
-          </p:nvPr>
-        </p:nvSpPr>
-        <p:spPr>
-          <a:xfrm>
-            <a:off x="713225" y="597425"/>
-            <a:ext cx="7717500" cy="572700"/>
-          </a:xfrm>
-          <a:prstGeom prst="rect">
-            <a:avLst/>
-          </a:prstGeom>
-        </p:spPr>
-        <p:txBody>
-          <a:bodyPr spcFirstLastPara="1" wrap="square" lIns="0" tIns="0" rIns="0" bIns="0" anchor="b" anchorCtr="0">
-            <a:noAutofit/>
-          </a:bodyPr>
-          <a:lstStyle>
-            <a:lvl1pPr lvl="0" algn="ctr" rtl="0">
-              <a:spcBef>
-                <a:spcPts val="0"/>
-              </a:spcBef>
-              <a:spcAft>
-                <a:spcPts val="0"/>
-              </a:spcAft>
-              <a:buSzPts val="3900"/>
-              <a:buNone/>
-              <a:defRPr sz="3900"/>
-            </a:lvl1pPr>
-            <a:lvl2pPr lvl="1" rtl="0">
-              <a:spcBef>
-                <a:spcPts val="0"/>
-              </a:spcBef>
-              <a:spcAft>
-                <a:spcPts val="0"/>
-              </a:spcAft>
-              <a:buSzPts val="3900"/>
-              <a:buNone/>
-              <a:defRPr/>
-            </a:lvl2pPr>
-            <a:lvl3pPr lvl="2" rtl="0">
-              <a:spcBef>
-                <a:spcPts val="0"/>
-              </a:spcBef>
-              <a:spcAft>
-                <a:spcPts val="0"/>
-              </a:spcAft>
-              <a:buSzPts val="3900"/>
-              <a:buNone/>
-              <a:defRPr/>
-            </a:lvl3pPr>
-            <a:lvl4pPr lvl="3" rtl="0">
-              <a:spcBef>
-                <a:spcPts val="0"/>
-              </a:spcBef>
-              <a:spcAft>
-                <a:spcPts val="0"/>
-              </a:spcAft>
-              <a:buSzPts val="3900"/>
-              <a:buNone/>
-              <a:defRPr/>
-            </a:lvl4pPr>
-            <a:lvl5pPr lvl="4" rtl="0">
-              <a:spcBef>
-                <a:spcPts val="0"/>
-              </a:spcBef>
-              <a:spcAft>
-                <a:spcPts val="0"/>
-              </a:spcAft>
-              <a:buSzPts val="3900"/>
-              <a:buNone/>
-              <a:defRPr/>
-            </a:lvl5pPr>
-            <a:lvl6pPr lvl="5" rtl="0">
-              <a:spcBef>
-                <a:spcPts val="0"/>
-              </a:spcBef>
-              <a:spcAft>
-                <a:spcPts val="0"/>
-              </a:spcAft>
-              <a:buSzPts val="3900"/>
-              <a:buNone/>
-              <a:defRPr/>
-            </a:lvl6pPr>
-            <a:lvl7pPr lvl="6" rtl="0">
-              <a:spcBef>
-                <a:spcPts val="0"/>
-              </a:spcBef>
-              <a:spcAft>
-                <a:spcPts val="0"/>
-              </a:spcAft>
-              <a:buSzPts val="3900"/>
-              <a:buNone/>
-              <a:defRPr/>
-            </a:lvl7pPr>
-            <a:lvl8pPr lvl="7" rtl="0">
-              <a:spcBef>
-                <a:spcPts val="0"/>
-              </a:spcBef>
-              <a:spcAft>
-                <a:spcPts val="0"/>
-              </a:spcAft>
-              <a:buSzPts val="3900"/>
-              <a:buNone/>
-              <a:defRPr/>
-            </a:lvl8pPr>
-            <a:lvl9pPr lvl="8" rtl="0">
-              <a:spcBef>
-                <a:spcPts val="0"/>
-              </a:spcBef>
-              <a:spcAft>
-                <a:spcPts val="0"/>
-              </a:spcAft>
-              <a:buSzPts val="3900"/>
-              <a:buNone/>
-              <a:defRPr/>
-            </a:lvl9pPr>
-          </a:lstStyle>
-          <a:p>
-            <a:endParaRPr/>
-          </a:p>
-        </p:txBody>
-      </p:sp>
-    </p:spTree>
-  </p:cSld>
-  <p:clrMapOvr>
-    <a:masterClrMapping/>
-  </p:clrMapOvr>
-</p:sldLayout>
-</file>
-
-<file path=ppt/slideLayouts/slideLayout2.xml><?xml version="1.0" encoding="utf-8"?>
 <p:sldLayout xmlns:a="http://schemas.openxmlformats.org/drawingml/2006/main" xmlns:r="http://schemas.openxmlformats.org/officeDocument/2006/relationships" xmlns:p="http://schemas.openxmlformats.org/presentationml/2006/main" matchingName="Blank" type="blank">
   <p:cSld name="BLANK">
     <p:bg>
@@ -1778,7 +1351,7 @@
 </p:sldLayout>
 </file>
 
-<file path=ppt/slideLayouts/slideLayout3.xml><?xml version="1.0" encoding="utf-8"?>
+<file path=ppt/slideLayouts/slideLayout2.xml><?xml version="1.0" encoding="utf-8"?>
 <p:sldLayout xmlns:a="http://schemas.openxmlformats.org/drawingml/2006/main" xmlns:r="http://schemas.openxmlformats.org/officeDocument/2006/relationships" xmlns:p="http://schemas.openxmlformats.org/presentationml/2006/main" matchingName="Quote">
   <p:cSld name="CUSTOM_6">
     <p:bg>
@@ -2205,7 +1778,7 @@
 </p:sldLayout>
 </file>
 
-<file path=ppt/slideLayouts/slideLayout4.xml><?xml version="1.0" encoding="utf-8"?>
+<file path=ppt/slideLayouts/slideLayout3.xml><?xml version="1.0" encoding="utf-8"?>
 <p:sldLayout xmlns:a="http://schemas.openxmlformats.org/drawingml/2006/main" xmlns:r="http://schemas.openxmlformats.org/officeDocument/2006/relationships" xmlns:p="http://schemas.openxmlformats.org/presentationml/2006/main" matchingName="Background">
   <p:cSld name="CUSTOM_14">
     <p:bg>
@@ -2382,7 +1955,7 @@
 </p:sldLayout>
 </file>
 
-<file path=ppt/slideLayouts/slideLayout5.xml><?xml version="1.0" encoding="utf-8"?>
+<file path=ppt/slideLayouts/slideLayout4.xml><?xml version="1.0" encoding="utf-8"?>
 <p:sldLayout xmlns:a="http://schemas.openxmlformats.org/drawingml/2006/main" xmlns:r="http://schemas.openxmlformats.org/officeDocument/2006/relationships" xmlns:p="http://schemas.openxmlformats.org/presentationml/2006/main" matchingName="Background 1">
   <p:cSld name="CUSTOM_14_1">
     <p:spTree>
@@ -2581,7 +2154,7 @@
     <p:bg>
       <p:bgPr>
         <a:blipFill>
-          <a:blip r:embed="rId7">
+          <a:blip r:embed="rId6">
             <a:alphaModFix/>
           </a:blip>
           <a:stretch>
@@ -3118,11 +2691,10 @@
   </p:cSld>
   <p:clrMap bg1="lt1" tx1="dk1" bg2="dk2" tx2="lt2" accent1="accent1" accent2="accent2" accent3="accent3" accent4="accent4" accent5="accent5" accent6="accent6" hlink="hlink" folHlink="folHlink"/>
   <p:sldLayoutIdLst>
-    <p:sldLayoutId id="2147483650" r:id="rId1"/>
-    <p:sldLayoutId id="2147483658" r:id="rId2"/>
-    <p:sldLayoutId id="2147483660" r:id="rId3"/>
-    <p:sldLayoutId id="2147483678" r:id="rId4"/>
-    <p:sldLayoutId id="2147483679" r:id="rId5"/>
+    <p:sldLayoutId id="2147483658" r:id="rId1"/>
+    <p:sldLayoutId id="2147483660" r:id="rId2"/>
+    <p:sldLayoutId id="2147483678" r:id="rId3"/>
+    <p:sldLayoutId id="2147483679" r:id="rId4"/>
   </p:sldLayoutIdLst>
   <p:hf sldNum="0" hdr="0" ftr="0" dt="0"/>
   <p:txStyles>
@@ -3983,51 +3555,7 @@
                 <a:ea typeface="Lato Black" panose="020B0604020202020204" pitchFamily="34" charset="0"/>
                 <a:cs typeface="Lato Black" panose="020B0604020202020204" pitchFamily="34" charset="0"/>
               </a:rPr>
-              <a:t> Kata </a:t>
-            </a:r>
-            <a:r>
-              <a:rPr lang="en-US" sz="3600" dirty="0" err="1">
-                <a:solidFill>
-                  <a:srgbClr val="FFB74C"/>
-                </a:solidFill>
-                <a:latin typeface="Lato Black" panose="020B0604020202020204" pitchFamily="34" charset="0"/>
-                <a:ea typeface="Lato Black" panose="020B0604020202020204" pitchFamily="34" charset="0"/>
-                <a:cs typeface="Lato Black" panose="020B0604020202020204" pitchFamily="34" charset="0"/>
-              </a:rPr>
-              <a:t>kata</a:t>
-            </a:r>
-            <a:r>
-              <a:rPr lang="en-US" sz="3600" dirty="0">
-                <a:solidFill>
-                  <a:srgbClr val="FFB74C"/>
-                </a:solidFill>
-                <a:latin typeface="Lato Black" panose="020B0604020202020204" pitchFamily="34" charset="0"/>
-                <a:ea typeface="Lato Black" panose="020B0604020202020204" pitchFamily="34" charset="0"/>
-                <a:cs typeface="Lato Black" panose="020B0604020202020204" pitchFamily="34" charset="0"/>
-              </a:rPr>
-              <a:t> Abusive </a:t>
-            </a:r>
-            <a:r>
-              <a:rPr lang="en-US" sz="3600" dirty="0" err="1">
-                <a:solidFill>
-                  <a:srgbClr val="FFB74C"/>
-                </a:solidFill>
-                <a:latin typeface="Lato Black" panose="020B0604020202020204" pitchFamily="34" charset="0"/>
-                <a:ea typeface="Lato Black" panose="020B0604020202020204" pitchFamily="34" charset="0"/>
-                <a:cs typeface="Lato Black" panose="020B0604020202020204" pitchFamily="34" charset="0"/>
-              </a:rPr>
-              <a:t>serta</a:t>
-            </a:r>
-            <a:r>
-              <a:rPr lang="en-US" sz="3600" dirty="0">
-                <a:solidFill>
-                  <a:srgbClr val="FFB74C"/>
-                </a:solidFill>
-                <a:latin typeface="Lato Black" panose="020B0604020202020204" pitchFamily="34" charset="0"/>
-                <a:ea typeface="Lato Black" panose="020B0604020202020204" pitchFamily="34" charset="0"/>
-                <a:cs typeface="Lato Black" panose="020B0604020202020204" pitchFamily="34" charset="0"/>
-              </a:rPr>
-              <a:t> Alay pada Twitter di Indonesia</a:t>
+              <a:t> Kata Abusive dan Alay pada Twitter di Indonesia</a:t>
             </a:r>
             <a:endParaRPr lang="en-ID" sz="3600" dirty="0">
               <a:solidFill>
@@ -4581,7 +4109,7 @@
           <p:nvPr>
             <p:extLst>
               <p:ext uri="{D42A27DB-BD31-4B8C-83A1-F6EECF244321}">
-                <p14:modId xmlns:p14="http://schemas.microsoft.com/office/powerpoint/2010/main" val="4292576338"/>
+                <p14:modId xmlns:p14="http://schemas.microsoft.com/office/powerpoint/2010/main" val="2347132836"/>
               </p:ext>
             </p:extLst>
           </p:nvPr>
@@ -4649,7 +4177,7 @@
                     <a:p>
                       <a:pPr algn="ctr"/>
                       <a:r>
-                        <a:rPr lang="en-US" sz="1400" dirty="0" err="1">
+                        <a:rPr lang="en-US" sz="1400" dirty="0">
                           <a:solidFill>
                             <a:schemeClr val="bg1"/>
                           </a:solidFill>
@@ -4657,7 +4185,7 @@
                           <a:ea typeface="Lato" panose="020F0502020204030203" pitchFamily="34" charset="0"/>
                           <a:cs typeface="Lato" panose="020F0502020204030203" pitchFamily="34" charset="0"/>
                         </a:rPr>
-                        <a:t>Jumalah</a:t>
+                        <a:t>Jumlah</a:t>
                       </a:r>
                       <a:endParaRPr lang="en-ID" sz="1400" dirty="0">
                         <a:solidFill>
@@ -8119,7 +7647,7 @@
     </p:bg>
     <p:spTree>
       <p:nvGrpSpPr>
-        <p:cNvPr id="1" name="Shape 315"/>
+        <p:cNvPr id="1" name=""/>
         <p:cNvGrpSpPr/>
         <p:nvPr/>
       </p:nvGrpSpPr>
@@ -8133,7 +7661,75 @@
       </p:grpSpPr>
       <p:sp>
         <p:nvSpPr>
-          <p:cNvPr id="316" name="Google Shape;316;p37"/>
+          <p:cNvPr id="7" name="Google Shape;317;p37">
+            <a:extLst>
+              <a:ext uri="{FF2B5EF4-FFF2-40B4-BE49-F238E27FC236}">
+                <a16:creationId xmlns:a16="http://schemas.microsoft.com/office/drawing/2014/main" id="{D6A7A707-0C50-F0FA-80CD-EA41E419D589}"/>
+              </a:ext>
+            </a:extLst>
+          </p:cNvPr>
+          <p:cNvSpPr txBox="1">
+            <a:spLocks noGrp="1"/>
+          </p:cNvSpPr>
+          <p:nvPr>
+            <p:ph type="title"/>
+          </p:nvPr>
+        </p:nvSpPr>
+        <p:spPr>
+          <a:xfrm>
+            <a:off x="713225" y="597425"/>
+            <a:ext cx="7717500" cy="572700"/>
+          </a:xfrm>
+          <a:prstGeom prst="rect">
+            <a:avLst/>
+          </a:prstGeom>
+        </p:spPr>
+        <p:txBody>
+          <a:bodyPr spcFirstLastPara="1" wrap="square" lIns="0" tIns="0" rIns="0" bIns="0" anchor="b" anchorCtr="0">
+            <a:noAutofit/>
+          </a:bodyPr>
+          <a:lstStyle/>
+          <a:p>
+            <a:pPr marL="0" lvl="0" indent="0" algn="l" rtl="0">
+              <a:spcBef>
+                <a:spcPts val="0"/>
+              </a:spcBef>
+              <a:spcAft>
+                <a:spcPts val="0"/>
+              </a:spcAft>
+              <a:buNone/>
+            </a:pPr>
+            <a:r>
+              <a:rPr lang="en" sz="3900" dirty="0">
+                <a:solidFill>
+                  <a:srgbClr val="FFB74C"/>
+                </a:solidFill>
+                <a:latin typeface="Lato Black" panose="020F0502020204030203" pitchFamily="34" charset="0"/>
+                <a:ea typeface="Lato Black" panose="020F0502020204030203" pitchFamily="34" charset="0"/>
+                <a:cs typeface="Lato Black" panose="020F0502020204030203" pitchFamily="34" charset="0"/>
+              </a:rPr>
+              <a:t>Latar Belakang</a:t>
+            </a:r>
+            <a:endParaRPr lang="en-ID" sz="3900" b="1" dirty="0">
+              <a:solidFill>
+                <a:schemeClr val="bg2"/>
+              </a:solidFill>
+              <a:latin typeface="Lato Black" panose="020F0502020204030203" pitchFamily="34" charset="0"/>
+              <a:ea typeface="Lato Black" panose="020F0502020204030203" pitchFamily="34" charset="0"/>
+              <a:cs typeface="Lato Black" panose="020F0502020204030203" pitchFamily="34" charset="0"/>
+            </a:endParaRPr>
+          </a:p>
+        </p:txBody>
+      </p:sp>
+      <p:sp>
+        <p:nvSpPr>
+          <p:cNvPr id="8" name="Google Shape;316;p37">
+            <a:extLst>
+              <a:ext uri="{FF2B5EF4-FFF2-40B4-BE49-F238E27FC236}">
+                <a16:creationId xmlns:a16="http://schemas.microsoft.com/office/drawing/2014/main" id="{87BCD1A9-25C3-E3F2-358D-636CCCCFD655}"/>
+              </a:ext>
+            </a:extLst>
+          </p:cNvPr>
           <p:cNvSpPr txBox="1">
             <a:spLocks noGrp="1"/>
           </p:cNvSpPr>
@@ -9981,63 +9577,12 @@
           </a:p>
         </p:txBody>
       </p:sp>
-      <p:sp>
-        <p:nvSpPr>
-          <p:cNvPr id="317" name="Google Shape;317;p37"/>
-          <p:cNvSpPr txBox="1">
-            <a:spLocks noGrp="1"/>
-          </p:cNvSpPr>
-          <p:nvPr>
-            <p:ph type="title"/>
-          </p:nvPr>
-        </p:nvSpPr>
-        <p:spPr>
-          <a:xfrm>
-            <a:off x="713225" y="597425"/>
-            <a:ext cx="7717500" cy="572700"/>
-          </a:xfrm>
-          <a:prstGeom prst="rect">
-            <a:avLst/>
-          </a:prstGeom>
-        </p:spPr>
-        <p:txBody>
-          <a:bodyPr spcFirstLastPara="1" wrap="square" lIns="0" tIns="0" rIns="0" bIns="0" anchor="b" anchorCtr="0">
-            <a:noAutofit/>
-          </a:bodyPr>
-          <a:lstStyle/>
-          <a:p>
-            <a:pPr marL="0" lvl="0" indent="0" algn="l" rtl="0">
-              <a:spcBef>
-                <a:spcPts val="0"/>
-              </a:spcBef>
-              <a:spcAft>
-                <a:spcPts val="0"/>
-              </a:spcAft>
-              <a:buNone/>
-            </a:pPr>
-            <a:r>
-              <a:rPr lang="en" dirty="0">
-                <a:solidFill>
-                  <a:srgbClr val="FFB74C"/>
-                </a:solidFill>
-                <a:latin typeface="Lato Black" panose="020F0502020204030203" pitchFamily="34" charset="0"/>
-                <a:ea typeface="Lato Black" panose="020F0502020204030203" pitchFamily="34" charset="0"/>
-                <a:cs typeface="Lato Black" panose="020F0502020204030203" pitchFamily="34" charset="0"/>
-              </a:rPr>
-              <a:t>Latar Belakang</a:t>
-            </a:r>
-            <a:endParaRPr dirty="0">
-              <a:solidFill>
-                <a:srgbClr val="FFB74C"/>
-              </a:solidFill>
-              <a:latin typeface="Lato Black" panose="020F0502020204030203" pitchFamily="34" charset="0"/>
-              <a:ea typeface="Lato Black" panose="020F0502020204030203" pitchFamily="34" charset="0"/>
-              <a:cs typeface="Lato Black" panose="020F0502020204030203" pitchFamily="34" charset="0"/>
-            </a:endParaRPr>
-          </a:p>
-        </p:txBody>
-      </p:sp>
     </p:spTree>
+    <p:extLst>
+      <p:ext uri="{BB962C8B-B14F-4D97-AF65-F5344CB8AC3E}">
+        <p14:creationId xmlns:p14="http://schemas.microsoft.com/office/powerpoint/2010/main" val="2189716792"/>
+      </p:ext>
+    </p:extLst>
   </p:cSld>
   <p:clrMapOvr>
     <a:masterClrMapping/>
@@ -11019,7 +10564,7 @@
             <a:r>
               <a:rPr lang="en-ID" sz="1600" b="1" dirty="0">
                 <a:solidFill>
-                  <a:schemeClr val="accent2"/>
+                  <a:srgbClr val="FFC000"/>
                 </a:solidFill>
                 <a:latin typeface="Lato" panose="020F0502020204030203" pitchFamily="34" charset="0"/>
                 <a:ea typeface="Lato" panose="020F0502020204030203" pitchFamily="34" charset="0"/>
@@ -11031,7 +10576,7 @@
             <a:r>
               <a:rPr lang="en-ID" sz="1400" b="1" dirty="0">
                 <a:solidFill>
-                  <a:schemeClr val="accent2"/>
+                  <a:srgbClr val="FFC000"/>
                 </a:solidFill>
                 <a:latin typeface="Lato" panose="020F0502020204030203" pitchFamily="34" charset="0"/>
                 <a:ea typeface="Lato" panose="020F0502020204030203" pitchFamily="34" charset="0"/>
@@ -11042,7 +10587,7 @@
             </a:r>
             <a:endParaRPr lang="en-ID" sz="1200" dirty="0">
               <a:solidFill>
-                <a:schemeClr val="accent2"/>
+                <a:srgbClr val="FFC000"/>
               </a:solidFill>
               <a:latin typeface="Lato" panose="020F0502020204030203" pitchFamily="34" charset="0"/>
               <a:ea typeface="Lato" panose="020F0502020204030203" pitchFamily="34" charset="0"/>
@@ -11356,7 +10901,7 @@
             <a:r>
               <a:rPr lang="en-ID" sz="1600" b="1" dirty="0">
                 <a:solidFill>
-                  <a:schemeClr val="accent2"/>
+                  <a:srgbClr val="FFC000"/>
                 </a:solidFill>
                 <a:latin typeface="Lato" panose="020F0502020204030203" pitchFamily="34" charset="0"/>
                 <a:ea typeface="Lato" panose="020F0502020204030203" pitchFamily="34" charset="0"/>
@@ -11368,7 +10913,7 @@
             <a:r>
               <a:rPr lang="en-ID" sz="1400" b="1" dirty="0">
                 <a:solidFill>
-                  <a:schemeClr val="accent2"/>
+                  <a:srgbClr val="FFC000"/>
                 </a:solidFill>
                 <a:latin typeface="Lato" panose="020F0502020204030203" pitchFamily="34" charset="0"/>
                 <a:ea typeface="Lato" panose="020F0502020204030203" pitchFamily="34" charset="0"/>
@@ -11379,7 +10924,7 @@
             </a:r>
             <a:endParaRPr lang="en-ID" sz="1200" dirty="0">
               <a:solidFill>
-                <a:schemeClr val="accent2"/>
+                <a:srgbClr val="FFC000"/>
               </a:solidFill>
               <a:latin typeface="Lato" panose="020F0502020204030203" pitchFamily="34" charset="0"/>
               <a:ea typeface="Lato" panose="020F0502020204030203" pitchFamily="34" charset="0"/>
@@ -11766,7 +11311,7 @@
                 <a:cs typeface="Lato" panose="020F0502020204030203" pitchFamily="34" charset="0"/>
                 <a:sym typeface="Varta"/>
               </a:rPr>
-              <a:t> 15.167 baris</a:t>
+              <a:t> 15.167 kata</a:t>
             </a:r>
           </a:p>
         </p:txBody>
@@ -12076,7 +11621,7 @@
             <a:r>
               <a:rPr lang="en-ID" sz="1600" b="1" dirty="0">
                 <a:solidFill>
-                  <a:schemeClr val="accent2"/>
+                  <a:srgbClr val="FFC000"/>
                 </a:solidFill>
                 <a:latin typeface="Lato" panose="020F0502020204030203" pitchFamily="34" charset="0"/>
                 <a:ea typeface="Lato" panose="020F0502020204030203" pitchFamily="34" charset="0"/>
@@ -12087,7 +11632,7 @@
             </a:r>
             <a:endParaRPr lang="en-ID" sz="1200" dirty="0">
               <a:solidFill>
-                <a:schemeClr val="accent2"/>
+                <a:srgbClr val="FFC000"/>
               </a:solidFill>
               <a:latin typeface="Lato" panose="020F0502020204030203" pitchFamily="34" charset="0"/>
               <a:ea typeface="Lato" panose="020F0502020204030203" pitchFamily="34" charset="0"/>
@@ -12418,7 +11963,7 @@
                 <a:cs typeface="Lato" panose="020F0502020204030203" pitchFamily="34" charset="0"/>
                 <a:sym typeface="Varta"/>
               </a:rPr>
-              <a:t> 126 baris</a:t>
+              <a:t> 126 kata</a:t>
             </a:r>
           </a:p>
         </p:txBody>
@@ -12741,7 +12286,7 @@
     </p:spTree>
     <p:extLst>
       <p:ext uri="{BB962C8B-B14F-4D97-AF65-F5344CB8AC3E}">
-        <p14:creationId xmlns:p14="http://schemas.microsoft.com/office/powerpoint/2010/main" val="2189716792"/>
+        <p14:creationId xmlns:p14="http://schemas.microsoft.com/office/powerpoint/2010/main" val="733112893"/>
       </p:ext>
     </p:extLst>
   </p:cSld>
@@ -15074,7 +14619,7 @@
         <p:spPr>
           <a:xfrm>
             <a:off x="541421" y="1815030"/>
-            <a:ext cx="7555832" cy="2507525"/>
+            <a:ext cx="7679350" cy="2507525"/>
           </a:xfrm>
           <a:prstGeom prst="rect">
             <a:avLst/>
@@ -15338,18 +14883,18 @@
           <a:p>
             <a:pPr algn="l"/>
             <a:r>
-              <a:rPr lang="en-ID" sz="1200" dirty="0">
-                <a:solidFill>
-                  <a:srgbClr val="D4D4D4"/>
-                </a:solidFill>
-                <a:latin typeface="Lato" panose="020F0502020204030203" pitchFamily="34" charset="0"/>
-                <a:ea typeface="Lato" panose="020F0502020204030203" pitchFamily="34" charset="0"/>
-                <a:cs typeface="Lato" panose="020F0502020204030203" pitchFamily="34" charset="0"/>
-              </a:rPr>
-              <a:t>        Dari 13.169 tweet yang </a:t>
-            </a:r>
-            <a:r>
-              <a:rPr lang="en-ID" sz="1200" dirty="0" err="1">
+              <a:rPr lang="en-ID" sz="1400" dirty="0">
+                <a:solidFill>
+                  <a:srgbClr val="D4D4D4"/>
+                </a:solidFill>
+                <a:latin typeface="Lato" panose="020F0502020204030203" pitchFamily="34" charset="0"/>
+                <a:ea typeface="Lato" panose="020F0502020204030203" pitchFamily="34" charset="0"/>
+                <a:cs typeface="Lato" panose="020F0502020204030203" pitchFamily="34" charset="0"/>
+              </a:rPr>
+              <a:t>       Dari 13.169 tweet yang </a:t>
+            </a:r>
+            <a:r>
+              <a:rPr lang="en-ID" sz="1400" dirty="0" err="1">
                 <a:solidFill>
                   <a:srgbClr val="D4D4D4"/>
                 </a:solidFill>
@@ -15360,7 +14905,7 @@
               <a:t>ada</a:t>
             </a:r>
             <a:r>
-              <a:rPr lang="en-ID" sz="1200" dirty="0">
+              <a:rPr lang="en-ID" sz="1400" dirty="0">
                 <a:solidFill>
                   <a:srgbClr val="D4D4D4"/>
                 </a:solidFill>
@@ -15371,7 +14916,7 @@
               <a:t> di twitter yang </a:t>
             </a:r>
             <a:r>
-              <a:rPr lang="en-ID" sz="1200" dirty="0" err="1">
+              <a:rPr lang="en-ID" sz="1400" dirty="0" err="1">
                 <a:solidFill>
                   <a:srgbClr val="D4D4D4"/>
                 </a:solidFill>
@@ -15382,7 +14927,7 @@
               <a:t>merupakan</a:t>
             </a:r>
             <a:r>
-              <a:rPr lang="en-ID" sz="1200" dirty="0">
+              <a:rPr lang="en-ID" sz="1400" dirty="0">
                 <a:solidFill>
                   <a:srgbClr val="D4D4D4"/>
                 </a:solidFill>
@@ -15393,7 +14938,7 @@
               <a:t> </a:t>
             </a:r>
             <a:r>
-              <a:rPr lang="en-ID" sz="1200" dirty="0" err="1">
+              <a:rPr lang="en-ID" sz="1400" dirty="0" err="1">
                 <a:solidFill>
                   <a:srgbClr val="D4D4D4"/>
                 </a:solidFill>
@@ -15404,7 +14949,7 @@
               <a:t>kalimat</a:t>
             </a:r>
             <a:r>
-              <a:rPr lang="en-ID" sz="1200" dirty="0">
+              <a:rPr lang="en-ID" sz="1400" dirty="0">
                 <a:solidFill>
                   <a:srgbClr val="D4D4D4"/>
                 </a:solidFill>
@@ -15415,7 +14960,7 @@
               <a:t> </a:t>
             </a:r>
             <a:r>
-              <a:rPr lang="en-ID" sz="1200" dirty="0" err="1">
+              <a:rPr lang="en-ID" sz="1400" dirty="0" err="1">
                 <a:solidFill>
                   <a:srgbClr val="D4D4D4"/>
                 </a:solidFill>
@@ -15426,7 +14971,7 @@
               <a:t>alay</a:t>
             </a:r>
             <a:r>
-              <a:rPr lang="en-ID" sz="1200" dirty="0">
+              <a:rPr lang="en-ID" sz="1400" dirty="0">
                 <a:solidFill>
                   <a:srgbClr val="D4D4D4"/>
                 </a:solidFill>
@@ -15437,7 +14982,7 @@
               <a:t> </a:t>
             </a:r>
             <a:r>
-              <a:rPr lang="en-ID" sz="1200" dirty="0" err="1">
+              <a:rPr lang="en-ID" sz="1400" dirty="0" err="1">
                 <a:solidFill>
                   <a:srgbClr val="D4D4D4"/>
                 </a:solidFill>
@@ -15448,7 +14993,7 @@
               <a:t>sebanyak</a:t>
             </a:r>
             <a:r>
-              <a:rPr lang="en-ID" sz="1200" dirty="0">
+              <a:rPr lang="en-ID" sz="1400" dirty="0">
                 <a:solidFill>
                   <a:srgbClr val="D4D4D4"/>
                 </a:solidFill>
@@ -15459,7 +15004,7 @@
               <a:t> 12.446 </a:t>
             </a:r>
             <a:r>
-              <a:rPr lang="en-ID" sz="1200" dirty="0" err="1">
+              <a:rPr lang="en-ID" sz="1400" dirty="0" err="1">
                 <a:solidFill>
                   <a:srgbClr val="D4D4D4"/>
                 </a:solidFill>
@@ -15470,7 +15015,7 @@
               <a:t>sementara</a:t>
             </a:r>
             <a:r>
-              <a:rPr lang="en-ID" sz="1200" dirty="0">
+              <a:rPr lang="en-ID" sz="1400" dirty="0">
                 <a:solidFill>
                   <a:srgbClr val="D4D4D4"/>
                 </a:solidFill>
@@ -15481,7 +15026,7 @@
               <a:t> </a:t>
             </a:r>
             <a:r>
-              <a:rPr lang="en-ID" sz="1200" dirty="0" err="1">
+              <a:rPr lang="en-ID" sz="1400" dirty="0" err="1">
                 <a:solidFill>
                   <a:srgbClr val="D4D4D4"/>
                 </a:solidFill>
@@ -15492,7 +15037,7 @@
               <a:t>untuk</a:t>
             </a:r>
             <a:r>
-              <a:rPr lang="en-ID" sz="1200" dirty="0">
+              <a:rPr lang="en-ID" sz="1400" dirty="0">
                 <a:solidFill>
                   <a:srgbClr val="D4D4D4"/>
                 </a:solidFill>
@@ -15503,7 +15048,7 @@
               <a:t> abusive 8504.  </a:t>
             </a:r>
             <a:r>
-              <a:rPr lang="en-ID" sz="1200" dirty="0" err="1">
+              <a:rPr lang="en-ID" sz="1400" dirty="0" err="1">
                 <a:solidFill>
                   <a:srgbClr val="D4D4D4"/>
                 </a:solidFill>
@@ -15514,7 +15059,7 @@
               <a:t>dimana</a:t>
             </a:r>
             <a:r>
-              <a:rPr lang="en-ID" sz="1200" dirty="0">
+              <a:rPr lang="en-ID" sz="1400" dirty="0">
                 <a:solidFill>
                   <a:srgbClr val="D4D4D4"/>
                 </a:solidFill>
@@ -15525,7 +15070,7 @@
               <a:t> </a:t>
             </a:r>
             <a:r>
-              <a:rPr lang="en-ID" sz="1200" dirty="0" err="1">
+              <a:rPr lang="en-ID" sz="1400" dirty="0" err="1">
                 <a:solidFill>
                   <a:srgbClr val="D4D4D4"/>
                 </a:solidFill>
@@ -15536,7 +15081,7 @@
               <a:t>dari</a:t>
             </a:r>
             <a:r>
-              <a:rPr lang="en-ID" sz="1200" dirty="0">
+              <a:rPr lang="en-ID" sz="1400" dirty="0">
                 <a:solidFill>
                   <a:srgbClr val="D4D4D4"/>
                 </a:solidFill>
@@ -15547,7 +15092,7 @@
               <a:t> tweet </a:t>
             </a:r>
             <a:r>
-              <a:rPr lang="en-ID" sz="1200" dirty="0" err="1">
+              <a:rPr lang="en-ID" sz="1400" dirty="0" err="1">
                 <a:solidFill>
                   <a:srgbClr val="D4D4D4"/>
                 </a:solidFill>
@@ -15558,7 +15103,7 @@
               <a:t>alay</a:t>
             </a:r>
             <a:r>
-              <a:rPr lang="en-ID" sz="1200" dirty="0">
+              <a:rPr lang="en-ID" sz="1400" dirty="0">
                 <a:solidFill>
                   <a:srgbClr val="D4D4D4"/>
                 </a:solidFill>
@@ -15569,7 +15114,7 @@
               <a:t> </a:t>
             </a:r>
             <a:r>
-              <a:rPr lang="en-ID" sz="1200" dirty="0" err="1">
+              <a:rPr lang="en-ID" sz="1400" dirty="0" err="1">
                 <a:solidFill>
                   <a:srgbClr val="D4D4D4"/>
                 </a:solidFill>
@@ -15580,7 +15125,7 @@
               <a:t>terdapat</a:t>
             </a:r>
             <a:r>
-              <a:rPr lang="en-ID" sz="1200" dirty="0">
+              <a:rPr lang="en-ID" sz="1400" dirty="0">
                 <a:solidFill>
                   <a:srgbClr val="D4D4D4"/>
                 </a:solidFill>
@@ -15591,7 +15136,7 @@
               <a:t> 66.759 kata </a:t>
             </a:r>
             <a:r>
-              <a:rPr lang="en-ID" sz="1200" dirty="0" err="1">
+              <a:rPr lang="en-ID" sz="1400" dirty="0" err="1">
                 <a:solidFill>
                   <a:srgbClr val="D4D4D4"/>
                 </a:solidFill>
@@ -15602,7 +15147,7 @@
               <a:t>sementara</a:t>
             </a:r>
             <a:r>
-              <a:rPr lang="en-ID" sz="1200" dirty="0">
+              <a:rPr lang="en-ID" sz="1400" dirty="0">
                 <a:solidFill>
                   <a:srgbClr val="D4D4D4"/>
                 </a:solidFill>
@@ -15613,7 +15158,7 @@
               <a:t> abusive </a:t>
             </a:r>
             <a:r>
-              <a:rPr lang="en-ID" sz="1200" dirty="0" err="1">
+              <a:rPr lang="en-ID" sz="1400" dirty="0" err="1">
                 <a:solidFill>
                   <a:srgbClr val="D4D4D4"/>
                 </a:solidFill>
@@ -15624,7 +15169,7 @@
               <a:t>terdapat</a:t>
             </a:r>
             <a:r>
-              <a:rPr lang="en-ID" sz="1200" dirty="0">
+              <a:rPr lang="en-ID" sz="1400" dirty="0">
                 <a:solidFill>
                   <a:srgbClr val="D4D4D4"/>
                 </a:solidFill>
@@ -15652,13 +15197,13 @@
           <p:nvPr>
             <p:extLst>
               <p:ext uri="{D42A27DB-BD31-4B8C-83A1-F6EECF244321}">
-                <p14:modId xmlns:p14="http://schemas.microsoft.com/office/powerpoint/2010/main" val="1409013387"/>
+                <p14:modId xmlns:p14="http://schemas.microsoft.com/office/powerpoint/2010/main" val="694202493"/>
               </p:ext>
             </p:extLst>
           </p:nvPr>
         </p:nvGraphicFramePr>
         <p:xfrm>
-          <a:off x="1271337" y="2398507"/>
+          <a:off x="1175085" y="2711328"/>
           <a:ext cx="6096000" cy="1483360"/>
         </p:xfrm>
         <a:graphic>
@@ -17875,7 +17420,7 @@
           <p:nvPr>
             <p:extLst>
               <p:ext uri="{D42A27DB-BD31-4B8C-83A1-F6EECF244321}">
-                <p14:modId xmlns:p14="http://schemas.microsoft.com/office/powerpoint/2010/main" val="1747986460"/>
+                <p14:modId xmlns:p14="http://schemas.microsoft.com/office/powerpoint/2010/main" val="799875618"/>
               </p:ext>
             </p:extLst>
           </p:nvPr>
@@ -17943,7 +17488,7 @@
                     <a:p>
                       <a:pPr algn="ctr"/>
                       <a:r>
-                        <a:rPr lang="en-US" sz="1400" b="1" dirty="0" err="1">
+                        <a:rPr lang="en-US" sz="1400" b="1" dirty="0">
                           <a:solidFill>
                             <a:schemeClr val="bg1"/>
                           </a:solidFill>
@@ -17951,7 +17496,7 @@
                           <a:ea typeface="Lato" panose="020F0502020204030203" pitchFamily="34" charset="0"/>
                           <a:cs typeface="Lato" panose="020F0502020204030203" pitchFamily="34" charset="0"/>
                         </a:rPr>
-                        <a:t>Jumalah</a:t>
+                        <a:t>Jumlah</a:t>
                       </a:r>
                       <a:endParaRPr lang="en-ID" sz="1400" b="1" dirty="0">
                         <a:solidFill>
@@ -18305,7 +17850,7 @@
           <p:nvPr/>
         </p:nvPicPr>
         <p:blipFill>
-          <a:blip r:embed="rId2"/>
+          <a:blip r:embed="rId3"/>
           <a:stretch>
             <a:fillRect/>
           </a:stretch>
